--- a/ppt/05_IntelliJ IDEA.pptx
+++ b/ppt/05_IntelliJ IDEA.pptx
@@ -219,7 +219,7 @@
           <a:p>
             <a:fld id="{B01E94BF-979C-4102-B9D3-90D188A7B1D8}" type="datetimeFigureOut">
               <a:rPr lang="zh-TW" altLang="en-US" smtClean="0"/>
-              <a:t>2024/8/28</a:t>
+              <a:t>2024/9/26</a:t>
             </a:fld>
             <a:endParaRPr lang="zh-TW" altLang="en-US"/>
           </a:p>
@@ -2516,10 +2516,10 @@
         </p:nvGrpSpPr>
         <p:grpSpPr>
           <a:xfrm>
-            <a:off x="838200" y="2960116"/>
-            <a:ext cx="10737914" cy="3047843"/>
-            <a:chOff x="615886" y="2782250"/>
-            <a:chExt cx="10737914" cy="3047843"/>
+            <a:off x="838200" y="2959261"/>
+            <a:ext cx="10737914" cy="3048698"/>
+            <a:chOff x="615886" y="2781395"/>
+            <a:chExt cx="10737914" cy="3048698"/>
           </a:xfrm>
         </p:grpSpPr>
         <p:grpSp>
@@ -3819,7 +3819,7 @@
           </p:blipFill>
           <p:spPr>
             <a:xfrm>
-              <a:off x="10935093" y="5111859"/>
+              <a:off x="10935093" y="2781395"/>
               <a:ext cx="418706" cy="409602"/>
             </a:xfrm>
             <a:prstGeom prst="rect">

--- a/ppt/05_IntelliJ IDEA.pptx
+++ b/ppt/05_IntelliJ IDEA.pptx
@@ -219,7 +219,7 @@
           <a:p>
             <a:fld id="{B01E94BF-979C-4102-B9D3-90D188A7B1D8}" type="datetimeFigureOut">
               <a:rPr lang="zh-TW" altLang="en-US" smtClean="0"/>
-              <a:t>2024/9/26</a:t>
+              <a:t>2024/12/8</a:t>
             </a:fld>
             <a:endParaRPr lang="zh-TW" altLang="en-US"/>
           </a:p>

--- a/ppt/05_IntelliJ IDEA.pptx
+++ b/ppt/05_IntelliJ IDEA.pptx
@@ -2,7 +2,7 @@
 <file path=ppt/presentation.xml><?xml version="1.0" encoding="utf-8"?>
 <p:presentation xmlns:a="http://schemas.openxmlformats.org/drawingml/2006/main" xmlns:r="http://schemas.openxmlformats.org/officeDocument/2006/relationships" xmlns:p="http://schemas.openxmlformats.org/presentationml/2006/main" saveSubsetFonts="1">
   <p:sldMasterIdLst>
-    <p:sldMasterId id="2147483673" r:id="rId1"/>
+    <p:sldMasterId id="2147483683" r:id="rId1"/>
   </p:sldMasterIdLst>
   <p:notesMasterIdLst>
     <p:notesMasterId r:id="rId25"/>
@@ -219,7 +219,7 @@
           <a:p>
             <a:fld id="{B01E94BF-979C-4102-B9D3-90D188A7B1D8}" type="datetimeFigureOut">
               <a:rPr lang="zh-TW" altLang="en-US" smtClean="0"/>
-              <a:t>2024/12/8</a:t>
+              <a:t>2025/2/11</a:t>
             </a:fld>
             <a:endParaRPr lang="zh-TW" altLang="en-US"/>
           </a:p>
@@ -781,7 +781,7 @@
     </p:spTree>
     <p:extLst>
       <p:ext uri="{BB962C8B-B14F-4D97-AF65-F5344CB8AC3E}">
-        <p14:creationId xmlns:p14="http://schemas.microsoft.com/office/powerpoint/2010/main" val="1009855766"/>
+        <p14:creationId xmlns:p14="http://schemas.microsoft.com/office/powerpoint/2010/main" val="227774436"/>
       </p:ext>
     </p:extLst>
   </p:cSld>
@@ -1165,7 +1165,7 @@
     </p:spTree>
     <p:extLst>
       <p:ext uri="{BB962C8B-B14F-4D97-AF65-F5344CB8AC3E}">
-        <p14:creationId xmlns:p14="http://schemas.microsoft.com/office/powerpoint/2010/main" val="1949994909"/>
+        <p14:creationId xmlns:p14="http://schemas.microsoft.com/office/powerpoint/2010/main" val="67147616"/>
       </p:ext>
     </p:extLst>
   </p:cSld>
@@ -1492,7 +1492,7 @@
     </p:spTree>
     <p:extLst>
       <p:ext uri="{BB962C8B-B14F-4D97-AF65-F5344CB8AC3E}">
-        <p14:creationId xmlns:p14="http://schemas.microsoft.com/office/powerpoint/2010/main" val="3248679714"/>
+        <p14:creationId xmlns:p14="http://schemas.microsoft.com/office/powerpoint/2010/main" val="792231276"/>
       </p:ext>
     </p:extLst>
   </p:cSld>
@@ -1791,7 +1791,7 @@
     </p:spTree>
     <p:extLst>
       <p:ext uri="{BB962C8B-B14F-4D97-AF65-F5344CB8AC3E}">
-        <p14:creationId xmlns:p14="http://schemas.microsoft.com/office/powerpoint/2010/main" val="228867929"/>
+        <p14:creationId xmlns:p14="http://schemas.microsoft.com/office/powerpoint/2010/main" val="3820563835"/>
       </p:ext>
     </p:extLst>
   </p:cSld>
@@ -2024,16 +2024,16 @@
     </p:spTree>
     <p:extLst>
       <p:ext uri="{BB962C8B-B14F-4D97-AF65-F5344CB8AC3E}">
-        <p14:creationId xmlns:p14="http://schemas.microsoft.com/office/powerpoint/2010/main" val="528387556"/>
+        <p14:creationId xmlns:p14="http://schemas.microsoft.com/office/powerpoint/2010/main" val="940432293"/>
       </p:ext>
     </p:extLst>
   </p:cSld>
   <p:clrMap bg1="dk1" tx1="lt1" bg2="dk2" tx2="lt2" accent1="accent1" accent2="accent2" accent3="accent3" accent4="accent4" accent5="accent5" accent6="accent6" hlink="hlink" folHlink="folHlink"/>
   <p:sldLayoutIdLst>
-    <p:sldLayoutId id="2147483674" r:id="rId1"/>
-    <p:sldLayoutId id="2147483675" r:id="rId2"/>
-    <p:sldLayoutId id="2147483676" r:id="rId3"/>
-    <p:sldLayoutId id="2147483677" r:id="rId4"/>
+    <p:sldLayoutId id="2147483684" r:id="rId1"/>
+    <p:sldLayoutId id="2147483685" r:id="rId2"/>
+    <p:sldLayoutId id="2147483686" r:id="rId3"/>
+    <p:sldLayoutId id="2147483687" r:id="rId4"/>
   </p:sldLayoutIdLst>
   <p:transition spd="slow">
     <p:push dir="u"/>
@@ -19317,7 +19317,7 @@
   <a:extraClrSchemeLst/>
   <a:extLst>
     <a:ext uri="{05A4C25C-085E-4340-85A3-A5531E510DB2}">
-      <thm15:themeFamily xmlns:thm15="http://schemas.microsoft.com/office/thememl/2012/main" name="TYIC" id="{1CBE48E2-41FD-4EDA-8801-606A138B7FC3}" vid="{F6EAACDE-0833-4468-B256-0551E0034979}"/>
+      <thm15:themeFamily xmlns:thm15="http://schemas.microsoft.com/office/thememl/2012/main" name="TYIC" id="{F8B8016E-470C-4FE5-A78C-33B2A9D17434}" vid="{BC6C4CDA-A093-4978-B969-B6482D48D481}"/>
     </a:ext>
   </a:extLst>
 </a:theme>

--- a/ppt/05_IntelliJ IDEA.pptx
+++ b/ppt/05_IntelliJ IDEA.pptx
@@ -219,7 +219,7 @@
           <a:p>
             <a:fld id="{B01E94BF-979C-4102-B9D3-90D188A7B1D8}" type="datetimeFigureOut">
               <a:rPr lang="zh-TW" altLang="en-US" smtClean="0"/>
-              <a:t>2025/2/11</a:t>
+              <a:t>2025/2/12</a:t>
             </a:fld>
             <a:endParaRPr lang="zh-TW" altLang="en-US"/>
           </a:p>
@@ -3806,10 +3806,10 @@
             <p:nvPr/>
           </p:nvPicPr>
           <p:blipFill>
-            <a:blip r:embed="rId3">
+            <a:blip r:embed="rId3" cstate="screen">
               <a:extLst>
                 <a:ext uri="{28A0092B-C50C-407E-A947-70E740481C1C}">
-                  <a14:useLocalDpi xmlns:a14="http://schemas.microsoft.com/office/drawing/2010/main" val="0"/>
+                  <a14:useLocalDpi xmlns:a14="http://schemas.microsoft.com/office/drawing/2010/main"/>
                 </a:ext>
               </a:extLst>
             </a:blip>
@@ -4000,7 +4000,13 @@
           <p:nvPr/>
         </p:nvPicPr>
         <p:blipFill>
-          <a:blip r:embed="rId2"/>
+          <a:blip r:embed="rId2" cstate="screen">
+            <a:extLst>
+              <a:ext uri="{28A0092B-C50C-407E-A947-70E740481C1C}">
+                <a14:useLocalDpi xmlns:a14="http://schemas.microsoft.com/office/drawing/2010/main"/>
+              </a:ext>
+            </a:extLst>
+          </a:blip>
           <a:stretch>
             <a:fillRect/>
           </a:stretch>
@@ -4030,7 +4036,13 @@
           <p:nvPr/>
         </p:nvPicPr>
         <p:blipFill>
-          <a:blip r:embed="rId3"/>
+          <a:blip r:embed="rId3" cstate="screen">
+            <a:extLst>
+              <a:ext uri="{28A0092B-C50C-407E-A947-70E740481C1C}">
+                <a14:useLocalDpi xmlns:a14="http://schemas.microsoft.com/office/drawing/2010/main"/>
+              </a:ext>
+            </a:extLst>
+          </a:blip>
           <a:stretch>
             <a:fillRect/>
           </a:stretch>
@@ -4229,7 +4241,13 @@
           <p:nvPr/>
         </p:nvPicPr>
         <p:blipFill>
-          <a:blip r:embed="rId2"/>
+          <a:blip r:embed="rId2" cstate="screen">
+            <a:extLst>
+              <a:ext uri="{28A0092B-C50C-407E-A947-70E740481C1C}">
+                <a14:useLocalDpi xmlns:a14="http://schemas.microsoft.com/office/drawing/2010/main"/>
+              </a:ext>
+            </a:extLst>
+          </a:blip>
           <a:stretch>
             <a:fillRect/>
           </a:stretch>
@@ -4430,7 +4448,13 @@
             <p:nvPr/>
           </p:nvPicPr>
           <p:blipFill>
-            <a:blip r:embed="rId2"/>
+            <a:blip r:embed="rId2" cstate="screen">
+              <a:extLst>
+                <a:ext uri="{28A0092B-C50C-407E-A947-70E740481C1C}">
+                  <a14:useLocalDpi xmlns:a14="http://schemas.microsoft.com/office/drawing/2010/main"/>
+                </a:ext>
+              </a:extLst>
+            </a:blip>
             <a:stretch>
               <a:fillRect/>
             </a:stretch>
@@ -4563,7 +4587,13 @@
             <p:nvPr/>
           </p:nvPicPr>
           <p:blipFill>
-            <a:blip r:embed="rId4"/>
+            <a:blip r:embed="rId4" cstate="screen">
+              <a:extLst>
+                <a:ext uri="{28A0092B-C50C-407E-A947-70E740481C1C}">
+                  <a14:useLocalDpi xmlns:a14="http://schemas.microsoft.com/office/drawing/2010/main"/>
+                </a:ext>
+              </a:extLst>
+            </a:blip>
             <a:stretch>
               <a:fillRect/>
             </a:stretch>
@@ -4593,7 +4623,13 @@
             <p:nvPr/>
           </p:nvPicPr>
           <p:blipFill>
-            <a:blip r:embed="rId5"/>
+            <a:blip r:embed="rId5" cstate="screen">
+              <a:extLst>
+                <a:ext uri="{28A0092B-C50C-407E-A947-70E740481C1C}">
+                  <a14:useLocalDpi xmlns:a14="http://schemas.microsoft.com/office/drawing/2010/main"/>
+                </a:ext>
+              </a:extLst>
+            </a:blip>
             <a:stretch>
               <a:fillRect/>
             </a:stretch>
@@ -4789,7 +4825,13 @@
           <p:nvPr/>
         </p:nvPicPr>
         <p:blipFill>
-          <a:blip r:embed="rId2"/>
+          <a:blip r:embed="rId2" cstate="screen">
+            <a:extLst>
+              <a:ext uri="{28A0092B-C50C-407E-A947-70E740481C1C}">
+                <a14:useLocalDpi xmlns:a14="http://schemas.microsoft.com/office/drawing/2010/main"/>
+              </a:ext>
+            </a:extLst>
+          </a:blip>
           <a:stretch>
             <a:fillRect/>
           </a:stretch>
@@ -4819,7 +4861,13 @@
           <p:nvPr/>
         </p:nvPicPr>
         <p:blipFill rotWithShape="1">
-          <a:blip r:embed="rId3"/>
+          <a:blip r:embed="rId3" cstate="screen">
+            <a:extLst>
+              <a:ext uri="{28A0092B-C50C-407E-A947-70E740481C1C}">
+                <a14:useLocalDpi xmlns:a14="http://schemas.microsoft.com/office/drawing/2010/main"/>
+              </a:ext>
+            </a:extLst>
+          </a:blip>
           <a:srcRect l="1861"/>
           <a:stretch/>
         </p:blipFill>
@@ -4900,7 +4948,13 @@
           <p:nvPr/>
         </p:nvPicPr>
         <p:blipFill>
-          <a:blip r:embed="rId4"/>
+          <a:blip r:embed="rId4" cstate="screen">
+            <a:extLst>
+              <a:ext uri="{28A0092B-C50C-407E-A947-70E740481C1C}">
+                <a14:useLocalDpi xmlns:a14="http://schemas.microsoft.com/office/drawing/2010/main"/>
+              </a:ext>
+            </a:extLst>
+          </a:blip>
           <a:stretch>
             <a:fillRect/>
           </a:stretch>
@@ -4930,7 +4984,13 @@
           <p:nvPr/>
         </p:nvPicPr>
         <p:blipFill>
-          <a:blip r:embed="rId5"/>
+          <a:blip r:embed="rId5" cstate="screen">
+            <a:extLst>
+              <a:ext uri="{28A0092B-C50C-407E-A947-70E740481C1C}">
+                <a14:useLocalDpi xmlns:a14="http://schemas.microsoft.com/office/drawing/2010/main"/>
+              </a:ext>
+            </a:extLst>
+          </a:blip>
           <a:stretch>
             <a:fillRect/>
           </a:stretch>
@@ -5545,7 +5605,13 @@
             <p:nvPr/>
           </p:nvPicPr>
           <p:blipFill>
-            <a:blip r:embed="rId2"/>
+            <a:blip r:embed="rId2" cstate="screen">
+              <a:extLst>
+                <a:ext uri="{28A0092B-C50C-407E-A947-70E740481C1C}">
+                  <a14:useLocalDpi xmlns:a14="http://schemas.microsoft.com/office/drawing/2010/main"/>
+                </a:ext>
+              </a:extLst>
+            </a:blip>
             <a:stretch>
               <a:fillRect/>
             </a:stretch>
@@ -5668,8 +5734,14 @@
               <p:nvPr/>
             </p:nvPicPr>
             <p:blipFill rotWithShape="1">
-              <a:blip r:embed="rId3"/>
-              <a:srcRect l="227"/>
+              <a:blip r:embed="rId3" cstate="screen">
+                <a:extLst>
+                  <a:ext uri="{28A0092B-C50C-407E-A947-70E740481C1C}">
+                    <a14:useLocalDpi xmlns:a14="http://schemas.microsoft.com/office/drawing/2010/main"/>
+                  </a:ext>
+                </a:extLst>
+              </a:blip>
+              <a:srcRect/>
               <a:stretch/>
             </p:blipFill>
             <p:spPr>
@@ -6987,7 +7059,13 @@
             <p:nvPr/>
           </p:nvPicPr>
           <p:blipFill>
-            <a:blip r:embed="rId2"/>
+            <a:blip r:embed="rId2" cstate="screen">
+              <a:extLst>
+                <a:ext uri="{28A0092B-C50C-407E-A947-70E740481C1C}">
+                  <a14:useLocalDpi xmlns:a14="http://schemas.microsoft.com/office/drawing/2010/main"/>
+                </a:ext>
+              </a:extLst>
+            </a:blip>
             <a:stretch>
               <a:fillRect/>
             </a:stretch>
@@ -7090,7 +7168,13 @@
             <p:nvPr/>
           </p:nvPicPr>
           <p:blipFill>
-            <a:blip r:embed="rId3"/>
+            <a:blip r:embed="rId3" cstate="screen">
+              <a:extLst>
+                <a:ext uri="{28A0092B-C50C-407E-A947-70E740481C1C}">
+                  <a14:useLocalDpi xmlns:a14="http://schemas.microsoft.com/office/drawing/2010/main"/>
+                </a:ext>
+              </a:extLst>
+            </a:blip>
             <a:stretch>
               <a:fillRect/>
             </a:stretch>
@@ -8920,7 +9004,13 @@
           <p:nvPr/>
         </p:nvPicPr>
         <p:blipFill>
-          <a:blip r:embed="rId2"/>
+          <a:blip r:embed="rId2" cstate="screen">
+            <a:extLst>
+              <a:ext uri="{28A0092B-C50C-407E-A947-70E740481C1C}">
+                <a14:useLocalDpi xmlns:a14="http://schemas.microsoft.com/office/drawing/2010/main"/>
+              </a:ext>
+            </a:extLst>
+          </a:blip>
           <a:stretch>
             <a:fillRect/>
           </a:stretch>
@@ -9396,7 +9486,13 @@
           <p:nvPr/>
         </p:nvPicPr>
         <p:blipFill>
-          <a:blip r:embed="rId2"/>
+          <a:blip r:embed="rId2" cstate="screen">
+            <a:extLst>
+              <a:ext uri="{28A0092B-C50C-407E-A947-70E740481C1C}">
+                <a14:useLocalDpi xmlns:a14="http://schemas.microsoft.com/office/drawing/2010/main"/>
+              </a:ext>
+            </a:extLst>
+          </a:blip>
           <a:stretch>
             <a:fillRect/>
           </a:stretch>
@@ -10029,7 +10125,13 @@
               <p:nvPr/>
             </p:nvPicPr>
             <p:blipFill>
-              <a:blip r:embed="rId2"/>
+              <a:blip r:embed="rId2" cstate="screen">
+                <a:extLst>
+                  <a:ext uri="{28A0092B-C50C-407E-A947-70E740481C1C}">
+                    <a14:useLocalDpi xmlns:a14="http://schemas.microsoft.com/office/drawing/2010/main"/>
+                  </a:ext>
+                </a:extLst>
+              </a:blip>
               <a:stretch>
                 <a:fillRect/>
               </a:stretch>
@@ -10173,7 +10275,13 @@
               <p:nvPr/>
             </p:nvPicPr>
             <p:blipFill>
-              <a:blip r:embed="rId3"/>
+              <a:blip r:embed="rId3" cstate="screen">
+                <a:extLst>
+                  <a:ext uri="{28A0092B-C50C-407E-A947-70E740481C1C}">
+                    <a14:useLocalDpi xmlns:a14="http://schemas.microsoft.com/office/drawing/2010/main"/>
+                  </a:ext>
+                </a:extLst>
+              </a:blip>
               <a:stretch>
                 <a:fillRect/>
               </a:stretch>
@@ -10778,8 +10886,14 @@
           <p:nvPr/>
         </p:nvPicPr>
         <p:blipFill rotWithShape="1">
-          <a:blip r:embed="rId2"/>
-          <a:srcRect r="57175" b="71073"/>
+          <a:blip r:embed="rId2" cstate="screen">
+            <a:extLst>
+              <a:ext uri="{28A0092B-C50C-407E-A947-70E740481C1C}">
+                <a14:useLocalDpi xmlns:a14="http://schemas.microsoft.com/office/drawing/2010/main"/>
+              </a:ext>
+            </a:extLst>
+          </a:blip>
+          <a:srcRect/>
           <a:stretch/>
         </p:blipFill>
         <p:spPr>
@@ -12623,7 +12737,7 @@
               <a:blip r:embed="rId3">
                 <a:extLst>
                   <a:ext uri="{28A0092B-C50C-407E-A947-70E740481C1C}">
-                    <a14:useLocalDpi xmlns:a14="http://schemas.microsoft.com/office/drawing/2010/main" val="0"/>
+                    <a14:useLocalDpi xmlns:a14="http://schemas.microsoft.com/office/drawing/2010/main"/>
                   </a:ext>
                   <a:ext uri="{96DAC541-7B7A-43D3-8B79-37D633B846F1}">
                     <asvg:svgBlip xmlns:asvg="http://schemas.microsoft.com/office/drawing/2016/SVG/main" r:embed="rId4"/>
@@ -13389,7 +13503,7 @@
               <a:blip r:embed="rId5">
                 <a:extLst>
                   <a:ext uri="{28A0092B-C50C-407E-A947-70E740481C1C}">
-                    <a14:useLocalDpi xmlns:a14="http://schemas.microsoft.com/office/drawing/2010/main" val="0"/>
+                    <a14:useLocalDpi xmlns:a14="http://schemas.microsoft.com/office/drawing/2010/main"/>
                   </a:ext>
                   <a:ext uri="{96DAC541-7B7A-43D3-8B79-37D633B846F1}">
                     <asvg:svgBlip xmlns:asvg="http://schemas.microsoft.com/office/drawing/2016/SVG/main" r:embed="rId6"/>
@@ -14605,10 +14719,10 @@
               <p:nvPr/>
             </p:nvPicPr>
             <p:blipFill>
-              <a:blip r:embed="rId7">
+              <a:blip r:embed="rId7" cstate="screen">
                 <a:extLst>
                   <a:ext uri="{28A0092B-C50C-407E-A947-70E740481C1C}">
-                    <a14:useLocalDpi xmlns:a14="http://schemas.microsoft.com/office/drawing/2010/main" val="0"/>
+                    <a14:useLocalDpi xmlns:a14="http://schemas.microsoft.com/office/drawing/2010/main"/>
                   </a:ext>
                 </a:extLst>
               </a:blip>
@@ -15215,8 +15329,14 @@
               <p:nvPr/>
             </p:nvPicPr>
             <p:blipFill>
-              <a:blip r:embed="rId8"/>
-              <a:srcRect r="72555"/>
+              <a:blip r:embed="rId8" cstate="screen">
+                <a:extLst>
+                  <a:ext uri="{28A0092B-C50C-407E-A947-70E740481C1C}">
+                    <a14:useLocalDpi xmlns:a14="http://schemas.microsoft.com/office/drawing/2010/main"/>
+                  </a:ext>
+                </a:extLst>
+              </a:blip>
+              <a:srcRect/>
               <a:stretch>
                 <a:fillRect/>
               </a:stretch>
@@ -15297,8 +15417,14 @@
               <p:nvPr/>
             </p:nvPicPr>
             <p:blipFill>
-              <a:blip r:embed="rId8"/>
-              <a:srcRect l="83547"/>
+              <a:blip r:embed="rId9" cstate="screen">
+                <a:extLst>
+                  <a:ext uri="{28A0092B-C50C-407E-A947-70E740481C1C}">
+                    <a14:useLocalDpi xmlns:a14="http://schemas.microsoft.com/office/drawing/2010/main"/>
+                  </a:ext>
+                </a:extLst>
+              </a:blip>
+              <a:srcRect/>
               <a:stretch>
                 <a:fillRect/>
               </a:stretch>
@@ -15400,8 +15526,14 @@
               <p:nvPr/>
             </p:nvPicPr>
             <p:blipFill>
-              <a:blip r:embed="rId9"/>
-              <a:srcRect r="67169"/>
+              <a:blip r:embed="rId10" cstate="screen">
+                <a:extLst>
+                  <a:ext uri="{28A0092B-C50C-407E-A947-70E740481C1C}">
+                    <a14:useLocalDpi xmlns:a14="http://schemas.microsoft.com/office/drawing/2010/main"/>
+                  </a:ext>
+                </a:extLst>
+              </a:blip>
+              <a:srcRect/>
               <a:stretch>
                 <a:fillRect/>
               </a:stretch>
@@ -15482,8 +15614,14 @@
               <p:nvPr/>
             </p:nvPicPr>
             <p:blipFill>
-              <a:blip r:embed="rId9"/>
-              <a:srcRect l="77782"/>
+              <a:blip r:embed="rId11" cstate="screen">
+                <a:extLst>
+                  <a:ext uri="{28A0092B-C50C-407E-A947-70E740481C1C}">
+                    <a14:useLocalDpi xmlns:a14="http://schemas.microsoft.com/office/drawing/2010/main"/>
+                  </a:ext>
+                </a:extLst>
+              </a:blip>
+              <a:srcRect/>
               <a:stretch>
                 <a:fillRect/>
               </a:stretch>
@@ -15585,8 +15723,14 @@
               <p:nvPr/>
             </p:nvPicPr>
             <p:blipFill>
-              <a:blip r:embed="rId10"/>
-              <a:srcRect r="50000"/>
+              <a:blip r:embed="rId12" cstate="screen">
+                <a:extLst>
+                  <a:ext uri="{28A0092B-C50C-407E-A947-70E740481C1C}">
+                    <a14:useLocalDpi xmlns:a14="http://schemas.microsoft.com/office/drawing/2010/main"/>
+                  </a:ext>
+                </a:extLst>
+              </a:blip>
+              <a:srcRect/>
               <a:stretch>
                 <a:fillRect/>
               </a:stretch>
@@ -15667,8 +15811,14 @@
               <p:nvPr/>
             </p:nvPicPr>
             <p:blipFill>
-              <a:blip r:embed="rId10"/>
-              <a:srcRect l="70571"/>
+              <a:blip r:embed="rId13" cstate="screen">
+                <a:extLst>
+                  <a:ext uri="{28A0092B-C50C-407E-A947-70E740481C1C}">
+                    <a14:useLocalDpi xmlns:a14="http://schemas.microsoft.com/office/drawing/2010/main"/>
+                  </a:ext>
+                </a:extLst>
+              </a:blip>
+              <a:srcRect/>
               <a:stretch>
                 <a:fillRect/>
               </a:stretch>
@@ -15777,7 +15927,7 @@
         <p:pic>
           <p:nvPicPr>
             <p:cNvPr id="180" name="圖片 179">
-              <a:hlinkClick r:id="rId11"/>
+              <a:hlinkClick r:id="rId14"/>
               <a:extLst>
                 <a:ext uri="{FF2B5EF4-FFF2-40B4-BE49-F238E27FC236}">
                   <a16:creationId xmlns:a16="http://schemas.microsoft.com/office/drawing/2014/main" id="{728669EE-95D6-45BA-A1A5-32E5B192181A}"/>
@@ -15790,10 +15940,10 @@
             <p:nvPr/>
           </p:nvPicPr>
           <p:blipFill>
-            <a:blip r:embed="rId12">
+            <a:blip r:embed="rId15" cstate="screen">
               <a:extLst>
                 <a:ext uri="{28A0092B-C50C-407E-A947-70E740481C1C}">
-                  <a14:useLocalDpi xmlns:a14="http://schemas.microsoft.com/office/drawing/2010/main" val="0"/>
+                  <a14:useLocalDpi xmlns:a14="http://schemas.microsoft.com/office/drawing/2010/main"/>
                 </a:ext>
               </a:extLst>
             </a:blip>
@@ -15826,7 +15976,7 @@
             <p:nvPr/>
           </p:nvPicPr>
           <p:blipFill>
-            <a:blip r:embed="rId13"/>
+            <a:blip r:embed="rId16"/>
             <a:stretch>
               <a:fillRect/>
             </a:stretch>
@@ -16196,7 +16346,13 @@
               <p:nvPr/>
             </p:nvPicPr>
             <p:blipFill>
-              <a:blip r:embed="rId4"/>
+              <a:blip r:embed="rId4" cstate="screen">
+                <a:extLst>
+                  <a:ext uri="{28A0092B-C50C-407E-A947-70E740481C1C}">
+                    <a14:useLocalDpi xmlns:a14="http://schemas.microsoft.com/office/drawing/2010/main"/>
+                  </a:ext>
+                </a:extLst>
+              </a:blip>
               <a:stretch>
                 <a:fillRect/>
               </a:stretch>
@@ -16305,7 +16461,13 @@
               <p:nvPr/>
             </p:nvPicPr>
             <p:blipFill>
-              <a:blip r:embed="rId5"/>
+              <a:blip r:embed="rId5" cstate="screen">
+                <a:extLst>
+                  <a:ext uri="{28A0092B-C50C-407E-A947-70E740481C1C}">
+                    <a14:useLocalDpi xmlns:a14="http://schemas.microsoft.com/office/drawing/2010/main"/>
+                  </a:ext>
+                </a:extLst>
+              </a:blip>
               <a:stretch>
                 <a:fillRect/>
               </a:stretch>
@@ -16850,8 +17012,14 @@
           <p:nvPr/>
         </p:nvPicPr>
         <p:blipFill rotWithShape="1">
-          <a:blip r:embed="rId6"/>
-          <a:srcRect l="7883" t="48901" r="52254" b="8501"/>
+          <a:blip r:embed="rId6" cstate="screen">
+            <a:extLst>
+              <a:ext uri="{28A0092B-C50C-407E-A947-70E740481C1C}">
+                <a14:useLocalDpi xmlns:a14="http://schemas.microsoft.com/office/drawing/2010/main"/>
+              </a:ext>
+            </a:extLst>
+          </a:blip>
+          <a:srcRect/>
           <a:stretch/>
         </p:blipFill>
         <p:spPr>
@@ -17149,7 +17317,13 @@
             <p:nvPr/>
           </p:nvPicPr>
           <p:blipFill rotWithShape="1">
-            <a:blip r:embed="rId2"/>
+            <a:blip r:embed="rId2" cstate="screen">
+              <a:extLst>
+                <a:ext uri="{28A0092B-C50C-407E-A947-70E740481C1C}">
+                  <a14:useLocalDpi xmlns:a14="http://schemas.microsoft.com/office/drawing/2010/main"/>
+                </a:ext>
+              </a:extLst>
+            </a:blip>
             <a:srcRect l="355" t="375" r="355" b="375"/>
             <a:stretch/>
           </p:blipFill>
@@ -17528,7 +17702,13 @@
             <p:nvPr/>
           </p:nvPicPr>
           <p:blipFill rotWithShape="1">
-            <a:blip r:embed="rId2"/>
+            <a:blip r:embed="rId2" cstate="screen">
+              <a:extLst>
+                <a:ext uri="{28A0092B-C50C-407E-A947-70E740481C1C}">
+                  <a14:useLocalDpi xmlns:a14="http://schemas.microsoft.com/office/drawing/2010/main"/>
+                </a:ext>
+              </a:extLst>
+            </a:blip>
             <a:srcRect l="338" t="444" r="338" b="444"/>
             <a:stretch/>
           </p:blipFill>
@@ -18218,7 +18398,13 @@
           <p:nvPr/>
         </p:nvPicPr>
         <p:blipFill>
-          <a:blip r:embed="rId2"/>
+          <a:blip r:embed="rId2" cstate="screen">
+            <a:extLst>
+              <a:ext uri="{28A0092B-C50C-407E-A947-70E740481C1C}">
+                <a14:useLocalDpi xmlns:a14="http://schemas.microsoft.com/office/drawing/2010/main"/>
+              </a:ext>
+            </a:extLst>
+          </a:blip>
           <a:stretch>
             <a:fillRect/>
           </a:stretch>
@@ -18476,7 +18662,13 @@
             <p:nvPr/>
           </p:nvPicPr>
           <p:blipFill>
-            <a:blip r:embed="rId2"/>
+            <a:blip r:embed="rId2" cstate="screen">
+              <a:extLst>
+                <a:ext uri="{28A0092B-C50C-407E-A947-70E740481C1C}">
+                  <a14:useLocalDpi xmlns:a14="http://schemas.microsoft.com/office/drawing/2010/main"/>
+                </a:ext>
+              </a:extLst>
+            </a:blip>
             <a:stretch>
               <a:fillRect/>
             </a:stretch>
@@ -18506,8 +18698,14 @@
             <p:nvPr/>
           </p:nvPicPr>
           <p:blipFill rotWithShape="1">
-            <a:blip r:embed="rId3"/>
-            <a:srcRect l="385" t="687" r="385" b="687"/>
+            <a:blip r:embed="rId3" cstate="screen">
+              <a:extLst>
+                <a:ext uri="{28A0092B-C50C-407E-A947-70E740481C1C}">
+                  <a14:useLocalDpi xmlns:a14="http://schemas.microsoft.com/office/drawing/2010/main"/>
+                </a:ext>
+              </a:extLst>
+            </a:blip>
+            <a:srcRect/>
             <a:stretch/>
           </p:blipFill>
           <p:spPr>
@@ -18878,7 +19076,13 @@
             <p:nvPr/>
           </p:nvPicPr>
           <p:blipFill>
-            <a:blip r:embed="rId2"/>
+            <a:blip r:embed="rId2" cstate="screen">
+              <a:extLst>
+                <a:ext uri="{28A0092B-C50C-407E-A947-70E740481C1C}">
+                  <a14:useLocalDpi xmlns:a14="http://schemas.microsoft.com/office/drawing/2010/main"/>
+                </a:ext>
+              </a:extLst>
+            </a:blip>
             <a:stretch>
               <a:fillRect/>
             </a:stretch>

--- a/ppt/05_IntelliJ IDEA.pptx
+++ b/ppt/05_IntelliJ IDEA.pptx
@@ -2,7 +2,7 @@
 <file path=ppt/presentation.xml><?xml version="1.0" encoding="utf-8"?>
 <p:presentation xmlns:a="http://schemas.openxmlformats.org/drawingml/2006/main" xmlns:r="http://schemas.openxmlformats.org/officeDocument/2006/relationships" xmlns:p="http://schemas.openxmlformats.org/presentationml/2006/main" saveSubsetFonts="1">
   <p:sldMasterIdLst>
-    <p:sldMasterId id="2147483683" r:id="rId1"/>
+    <p:sldMasterId id="2147483688" r:id="rId1"/>
   </p:sldMasterIdLst>
   <p:notesMasterIdLst>
     <p:notesMasterId r:id="rId25"/>
@@ -219,7 +219,7 @@
           <a:p>
             <a:fld id="{B01E94BF-979C-4102-B9D3-90D188A7B1D8}" type="datetimeFigureOut">
               <a:rPr lang="zh-TW" altLang="en-US" smtClean="0"/>
-              <a:t>2025/2/12</a:t>
+              <a:t>2025/2/28</a:t>
             </a:fld>
             <a:endParaRPr lang="zh-TW" altLang="en-US"/>
           </a:p>
@@ -781,14 +781,14 @@
     </p:spTree>
     <p:extLst>
       <p:ext uri="{BB962C8B-B14F-4D97-AF65-F5344CB8AC3E}">
-        <p14:creationId xmlns:p14="http://schemas.microsoft.com/office/powerpoint/2010/main" val="227774436"/>
+        <p14:creationId xmlns:p14="http://schemas.microsoft.com/office/powerpoint/2010/main" val="1882746063"/>
       </p:ext>
     </p:extLst>
   </p:cSld>
   <p:clrMapOvr>
     <a:masterClrMapping/>
   </p:clrMapOvr>
-  <p:transition spd="slow">
+  <p:transition>
     <p:push dir="u"/>
   </p:transition>
 </p:sldLayout>
@@ -1165,14 +1165,14 @@
     </p:spTree>
     <p:extLst>
       <p:ext uri="{BB962C8B-B14F-4D97-AF65-F5344CB8AC3E}">
-        <p14:creationId xmlns:p14="http://schemas.microsoft.com/office/powerpoint/2010/main" val="67147616"/>
+        <p14:creationId xmlns:p14="http://schemas.microsoft.com/office/powerpoint/2010/main" val="3938541245"/>
       </p:ext>
     </p:extLst>
   </p:cSld>
   <p:clrMapOvr>
     <a:masterClrMapping/>
   </p:clrMapOvr>
-  <p:transition spd="slow">
+  <p:transition>
     <p:push dir="u"/>
   </p:transition>
 </p:sldLayout>
@@ -1492,14 +1492,14 @@
     </p:spTree>
     <p:extLst>
       <p:ext uri="{BB962C8B-B14F-4D97-AF65-F5344CB8AC3E}">
-        <p14:creationId xmlns:p14="http://schemas.microsoft.com/office/powerpoint/2010/main" val="792231276"/>
+        <p14:creationId xmlns:p14="http://schemas.microsoft.com/office/powerpoint/2010/main" val="6245685"/>
       </p:ext>
     </p:extLst>
   </p:cSld>
   <p:clrMapOvr>
     <a:masterClrMapping/>
   </p:clrMapOvr>
-  <p:transition spd="slow">
+  <p:transition>
     <p:push dir="u"/>
   </p:transition>
 </p:sldLayout>
@@ -1791,14 +1791,14 @@
     </p:spTree>
     <p:extLst>
       <p:ext uri="{BB962C8B-B14F-4D97-AF65-F5344CB8AC3E}">
-        <p14:creationId xmlns:p14="http://schemas.microsoft.com/office/powerpoint/2010/main" val="3820563835"/>
+        <p14:creationId xmlns:p14="http://schemas.microsoft.com/office/powerpoint/2010/main" val="567384359"/>
       </p:ext>
     </p:extLst>
   </p:cSld>
   <p:clrMapOvr>
     <a:masterClrMapping/>
   </p:clrMapOvr>
-  <p:transition spd="slow">
+  <p:transition>
     <p:push dir="u"/>
   </p:transition>
 </p:sldLayout>
@@ -2024,18 +2024,18 @@
     </p:spTree>
     <p:extLst>
       <p:ext uri="{BB962C8B-B14F-4D97-AF65-F5344CB8AC3E}">
-        <p14:creationId xmlns:p14="http://schemas.microsoft.com/office/powerpoint/2010/main" val="940432293"/>
+        <p14:creationId xmlns:p14="http://schemas.microsoft.com/office/powerpoint/2010/main" val="1235003544"/>
       </p:ext>
     </p:extLst>
   </p:cSld>
   <p:clrMap bg1="dk1" tx1="lt1" bg2="dk2" tx2="lt2" accent1="accent1" accent2="accent2" accent3="accent3" accent4="accent4" accent5="accent5" accent6="accent6" hlink="hlink" folHlink="folHlink"/>
   <p:sldLayoutIdLst>
-    <p:sldLayoutId id="2147483684" r:id="rId1"/>
-    <p:sldLayoutId id="2147483685" r:id="rId2"/>
-    <p:sldLayoutId id="2147483686" r:id="rId3"/>
-    <p:sldLayoutId id="2147483687" r:id="rId4"/>
+    <p:sldLayoutId id="2147483689" r:id="rId1"/>
+    <p:sldLayoutId id="2147483690" r:id="rId2"/>
+    <p:sldLayoutId id="2147483691" r:id="rId3"/>
+    <p:sldLayoutId id="2147483692" r:id="rId4"/>
   </p:sldLayoutIdLst>
-  <p:transition spd="slow">
+  <p:transition>
     <p:push dir="u"/>
   </p:transition>
   <p:txStyles>
@@ -2409,7 +2409,7 @@
   <p:clrMapOvr>
     <a:masterClrMapping/>
   </p:clrMapOvr>
-  <p:transition spd="slow">
+  <p:transition>
     <p:push dir="u"/>
   </p:transition>
 </p:sld>
@@ -3838,7 +3838,7 @@
   <p:clrMapOvr>
     <a:masterClrMapping/>
   </p:clrMapOvr>
-  <p:transition spd="slow">
+  <p:transition>
     <p:push dir="u"/>
   </p:transition>
 </p:sld>
@@ -4067,7 +4067,7 @@
   <p:clrMapOvr>
     <a:masterClrMapping/>
   </p:clrMapOvr>
-  <p:transition spd="slow">
+  <p:transition>
     <p:push dir="u"/>
   </p:transition>
 </p:sld>
@@ -4272,7 +4272,7 @@
   <p:clrMapOvr>
     <a:masterClrMapping/>
   </p:clrMapOvr>
-  <p:transition spd="slow">
+  <p:transition>
     <p:push dir="u"/>
   </p:transition>
 </p:sld>
@@ -4707,7 +4707,7 @@
   <p:clrMapOvr>
     <a:masterClrMapping/>
   </p:clrMapOvr>
-  <p:transition spd="slow">
+  <p:transition>
     <p:push dir="u"/>
   </p:transition>
 </p:sld>
@@ -5067,7 +5067,7 @@
   <p:clrMapOvr>
     <a:masterClrMapping/>
   </p:clrMapOvr>
-  <p:transition spd="slow">
+  <p:transition>
     <p:push dir="u"/>
   </p:transition>
 </p:sld>
@@ -5333,7 +5333,7 @@
   <p:clrMapOvr>
     <a:masterClrMapping/>
   </p:clrMapOvr>
-  <p:transition spd="slow">
+  <p:transition>
     <p:push dir="u"/>
   </p:transition>
 </p:sld>
@@ -5974,7 +5974,7 @@
   <p:clrMapOvr>
     <a:masterClrMapping/>
   </p:clrMapOvr>
-  <p:transition spd="slow">
+  <p:transition>
     <p:push dir="u"/>
   </p:transition>
 </p:sld>
@@ -6540,7 +6540,7 @@
   <p:clrMapOvr>
     <a:masterClrMapping/>
   </p:clrMapOvr>
-  <p:transition spd="slow">
+  <p:transition>
     <p:push dir="u"/>
   </p:transition>
 </p:sld>
@@ -6774,7 +6774,7 @@
   <p:clrMapOvr>
     <a:masterClrMapping/>
   </p:clrMapOvr>
-  <p:transition spd="slow">
+  <p:transition>
     <p:push dir="u"/>
   </p:transition>
 </p:sld>
@@ -7460,7 +7460,7 @@
   <p:clrMapOvr>
     <a:masterClrMapping/>
   </p:clrMapOvr>
-  <p:transition spd="slow">
+  <p:transition>
     <p:push dir="u"/>
   </p:transition>
 </p:sld>
@@ -9217,7 +9217,7 @@
   <p:clrMapOvr>
     <a:masterClrMapping/>
   </p:clrMapOvr>
-  <p:transition spd="slow">
+  <p:transition>
     <p:push dir="u"/>
   </p:transition>
   <p:timing>
@@ -9667,7 +9667,7 @@
   <p:clrMapOvr>
     <a:masterClrMapping/>
   </p:clrMapOvr>
-  <p:transition spd="slow">
+  <p:transition>
     <p:push dir="u"/>
   </p:transition>
 </p:sld>
@@ -9918,7 +9918,7 @@
   <p:clrMapOvr>
     <a:masterClrMapping/>
   </p:clrMapOvr>
-  <p:transition spd="slow">
+  <p:transition>
     <p:push dir="u"/>
   </p:transition>
 </p:sld>
@@ -10598,7 +10598,7 @@
   <p:clrMapOvr>
     <a:masterClrMapping/>
   </p:clrMapOvr>
-  <p:transition spd="slow">
+  <p:transition>
     <p:push dir="u"/>
   </p:transition>
 </p:sld>
@@ -11680,7 +11680,7 @@
   <p:clrMapOvr>
     <a:masterClrMapping/>
   </p:clrMapOvr>
-  <p:transition spd="slow">
+  <p:transition>
     <p:push dir="u"/>
   </p:transition>
 </p:sld>
@@ -16002,7 +16002,7 @@
   <p:clrMapOvr>
     <a:masterClrMapping/>
   </p:clrMapOvr>
-  <p:transition spd="slow">
+  <p:transition>
     <p:push dir="u"/>
   </p:transition>
   <p:timing>
@@ -17198,7 +17198,7 @@
   <p:clrMapOvr>
     <a:masterClrMapping/>
   </p:clrMapOvr>
-  <p:transition spd="slow">
+  <p:transition>
     <p:push dir="u"/>
   </p:transition>
 </p:sld>
@@ -17644,7 +17644,7 @@
   <p:clrMapOvr>
     <a:masterClrMapping/>
   </p:clrMapOvr>
-  <p:transition spd="slow">
+  <p:transition>
     <p:push dir="u"/>
   </p:transition>
 </p:sld>
@@ -18284,7 +18284,7 @@
   <p:clrMapOvr>
     <a:masterClrMapping/>
   </p:clrMapOvr>
-  <p:transition spd="slow">
+  <p:transition>
     <p:push dir="u"/>
   </p:transition>
 </p:sld>
@@ -18429,7 +18429,7 @@
   <p:clrMapOvr>
     <a:masterClrMapping/>
   </p:clrMapOvr>
-  <p:transition spd="slow">
+  <p:transition>
     <p:push dir="u"/>
   </p:transition>
 </p:sld>
@@ -18890,7 +18890,7 @@
   <p:clrMapOvr>
     <a:masterClrMapping/>
   </p:clrMapOvr>
-  <p:transition spd="slow">
+  <p:transition>
     <p:push dir="u"/>
   </p:transition>
 </p:sld>
@@ -19294,7 +19294,7 @@
   <p:clrMapOvr>
     <a:masterClrMapping/>
   </p:clrMapOvr>
-  <p:transition spd="slow">
+  <p:transition>
     <p:push dir="u"/>
   </p:transition>
 </p:sld>
@@ -19521,7 +19521,7 @@
   <a:extraClrSchemeLst/>
   <a:extLst>
     <a:ext uri="{05A4C25C-085E-4340-85A3-A5531E510DB2}">
-      <thm15:themeFamily xmlns:thm15="http://schemas.microsoft.com/office/thememl/2012/main" name="TYIC" id="{F8B8016E-470C-4FE5-A78C-33B2A9D17434}" vid="{BC6C4CDA-A093-4978-B969-B6482D48D481}"/>
+      <thm15:themeFamily xmlns:thm15="http://schemas.microsoft.com/office/thememl/2012/main" name="TYIC" id="{5F22F33A-EA50-4F22-9F2C-8A64A179567F}" vid="{3247D5A2-1B78-4AF4-9AA5-9AF4332DE771}"/>
     </a:ext>
   </a:extLst>
 </a:theme>
